--- a/bosslocker_20170925.pptx
+++ b/bosslocker_20170925.pptx
@@ -111,6 +111,11 @@
       </a:defRPr>
     </a:lvl9pPr>
   </p:defaultTextStyle>
+  <p:extLst>
+    <p:ext uri="{EFAFB233-063F-42B5-8137-9DF3F51BA10A}">
+      <p15:sldGuideLst xmlns:p15="http://schemas.microsoft.com/office/powerpoint/2012/main"/>
+    </p:ext>
+  </p:extLst>
 </p:presentation>
 </file>
 
@@ -3397,8 +3402,12 @@
           <a:p>
             <a:pPr algn="l"/>
             <a:r>
+              <a:rPr kumimoji="1" lang="is-IS" altLang="ko-KR" dirty="0"/>
+              <a:t>2015184042</a:t>
+            </a:r>
+            <a:r>
               <a:rPr kumimoji="1" lang="en-US" altLang="ko-KR" dirty="0" smtClean="0"/>
-              <a:t>2015180000 </a:t>
+              <a:t> </a:t>
             </a:r>
             <a:r>
               <a:rPr kumimoji="1" lang="ko-KR" altLang="en-US" dirty="0" smtClean="0"/>
@@ -4600,17 +4609,7 @@
                 <a:latin typeface="돋움" charset="-127"/>
                 <a:ea typeface="돋움" charset="-127"/>
               </a:rPr>
-              <a:t>난이도</a:t>
-            </a:r>
-            <a:r>
-              <a:rPr kumimoji="1" lang="ko-KR" altLang="en-US" sz="1000" dirty="0" smtClean="0">
-                <a:solidFill>
-                  <a:srgbClr val="000000"/>
-                </a:solidFill>
-                <a:latin typeface="돋움" charset="-127"/>
-                <a:ea typeface="돋움" charset="-127"/>
-              </a:rPr>
-              <a:t> </a:t>
+              <a:t>난이도 </a:t>
             </a:r>
             <a:endParaRPr kumimoji="1" lang="en-US" altLang="ko-KR" sz="1000" dirty="0" smtClean="0">
               <a:solidFill>
